--- a/ISORC2017/figure/TECS_Adapter.pptx
+++ b/ISORC2017/figure/TECS_Adapter.pptx
@@ -197,7 +197,7 @@
           <a:p>
             <a:fld id="{00D06802-B8EF-4FD8-9511-F1F928CF3A55}" type="datetimeFigureOut">
               <a:rPr kumimoji="1" lang="ja-JP" altLang="en-US" smtClean="0"/>
-              <a:t>2016/12/5</a:t>
+              <a:t>2017/2/7</a:t>
             </a:fld>
             <a:endParaRPr kumimoji="1" lang="ja-JP" altLang="en-US"/>
           </a:p>
@@ -628,7 +628,7 @@
           <a:p>
             <a:fld id="{AA641DB4-C951-4763-94FC-F650C3AA7E65}" type="datetimeFigureOut">
               <a:rPr kumimoji="1" lang="ja-JP" altLang="en-US" smtClean="0"/>
-              <a:t>2016/12/5</a:t>
+              <a:t>2017/2/7</a:t>
             </a:fld>
             <a:endParaRPr kumimoji="1" lang="ja-JP" altLang="en-US"/>
           </a:p>
@@ -830,7 +830,7 @@
           <a:p>
             <a:fld id="{AA641DB4-C951-4763-94FC-F650C3AA7E65}" type="datetimeFigureOut">
               <a:rPr kumimoji="1" lang="ja-JP" altLang="en-US" smtClean="0"/>
-              <a:t>2016/12/5</a:t>
+              <a:t>2017/2/7</a:t>
             </a:fld>
             <a:endParaRPr kumimoji="1" lang="ja-JP" altLang="en-US"/>
           </a:p>
@@ -1042,7 +1042,7 @@
           <a:p>
             <a:fld id="{AA641DB4-C951-4763-94FC-F650C3AA7E65}" type="datetimeFigureOut">
               <a:rPr kumimoji="1" lang="ja-JP" altLang="en-US" smtClean="0"/>
-              <a:t>2016/12/5</a:t>
+              <a:t>2017/2/7</a:t>
             </a:fld>
             <a:endParaRPr kumimoji="1" lang="ja-JP" altLang="en-US"/>
           </a:p>
@@ -1244,7 +1244,7 @@
           <a:p>
             <a:fld id="{AA641DB4-C951-4763-94FC-F650C3AA7E65}" type="datetimeFigureOut">
               <a:rPr kumimoji="1" lang="ja-JP" altLang="en-US" smtClean="0"/>
-              <a:t>2016/12/5</a:t>
+              <a:t>2017/2/7</a:t>
             </a:fld>
             <a:endParaRPr kumimoji="1" lang="ja-JP" altLang="en-US"/>
           </a:p>
@@ -1490,7 +1490,7 @@
           <a:p>
             <a:fld id="{AA641DB4-C951-4763-94FC-F650C3AA7E65}" type="datetimeFigureOut">
               <a:rPr kumimoji="1" lang="ja-JP" altLang="en-US" smtClean="0"/>
-              <a:t>2016/12/5</a:t>
+              <a:t>2017/2/7</a:t>
             </a:fld>
             <a:endParaRPr kumimoji="1" lang="ja-JP" altLang="en-US"/>
           </a:p>
@@ -1786,7 +1786,7 @@
           <a:p>
             <a:fld id="{AA641DB4-C951-4763-94FC-F650C3AA7E65}" type="datetimeFigureOut">
               <a:rPr kumimoji="1" lang="ja-JP" altLang="en-US" smtClean="0"/>
-              <a:t>2016/12/5</a:t>
+              <a:t>2017/2/7</a:t>
             </a:fld>
             <a:endParaRPr kumimoji="1" lang="ja-JP" altLang="en-US"/>
           </a:p>
@@ -2217,7 +2217,7 @@
           <a:p>
             <a:fld id="{AA641DB4-C951-4763-94FC-F650C3AA7E65}" type="datetimeFigureOut">
               <a:rPr kumimoji="1" lang="ja-JP" altLang="en-US" smtClean="0"/>
-              <a:t>2016/12/5</a:t>
+              <a:t>2017/2/7</a:t>
             </a:fld>
             <a:endParaRPr kumimoji="1" lang="ja-JP" altLang="en-US"/>
           </a:p>
@@ -2335,7 +2335,7 @@
           <a:p>
             <a:fld id="{AA641DB4-C951-4763-94FC-F650C3AA7E65}" type="datetimeFigureOut">
               <a:rPr kumimoji="1" lang="ja-JP" altLang="en-US" smtClean="0"/>
-              <a:t>2016/12/5</a:t>
+              <a:t>2017/2/7</a:t>
             </a:fld>
             <a:endParaRPr kumimoji="1" lang="ja-JP" altLang="en-US"/>
           </a:p>
@@ -2430,7 +2430,7 @@
           <a:p>
             <a:fld id="{AA641DB4-C951-4763-94FC-F650C3AA7E65}" type="datetimeFigureOut">
               <a:rPr kumimoji="1" lang="ja-JP" altLang="en-US" smtClean="0"/>
-              <a:t>2016/12/5</a:t>
+              <a:t>2017/2/7</a:t>
             </a:fld>
             <a:endParaRPr kumimoji="1" lang="ja-JP" altLang="en-US"/>
           </a:p>
@@ -2739,7 +2739,7 @@
           <a:p>
             <a:fld id="{AA641DB4-C951-4763-94FC-F650C3AA7E65}" type="datetimeFigureOut">
               <a:rPr kumimoji="1" lang="ja-JP" altLang="en-US" smtClean="0"/>
-              <a:t>2016/12/5</a:t>
+              <a:t>2017/2/7</a:t>
             </a:fld>
             <a:endParaRPr kumimoji="1" lang="ja-JP" altLang="en-US"/>
           </a:p>
@@ -2992,7 +2992,7 @@
           <a:p>
             <a:fld id="{AA641DB4-C951-4763-94FC-F650C3AA7E65}" type="datetimeFigureOut">
               <a:rPr kumimoji="1" lang="ja-JP" altLang="en-US" smtClean="0"/>
-              <a:t>2016/12/5</a:t>
+              <a:t>2017/2/7</a:t>
             </a:fld>
             <a:endParaRPr kumimoji="1" lang="ja-JP" altLang="en-US"/>
           </a:p>
@@ -3237,7 +3237,7 @@
           <a:p>
             <a:fld id="{AA641DB4-C951-4763-94FC-F650C3AA7E65}" type="datetimeFigureOut">
               <a:rPr kumimoji="1" lang="ja-JP" altLang="en-US" smtClean="0"/>
-              <a:t>2016/12/5</a:t>
+              <a:t>2017/2/7</a:t>
             </a:fld>
             <a:endParaRPr kumimoji="1" lang="ja-JP" altLang="en-US"/>
           </a:p>
@@ -3650,8 +3650,8 @@
         </p:nvSpPr>
         <p:spPr bwMode="auto">
           <a:xfrm>
-            <a:off x="8505372" y="4814820"/>
-            <a:ext cx="3461638" cy="1819263"/>
+            <a:off x="8415219" y="4814820"/>
+            <a:ext cx="3686628" cy="1819263"/>
           </a:xfrm>
           <a:prstGeom prst="snip1Rect">
             <a:avLst/>
@@ -3716,7 +3716,7 @@
                 <a:ea typeface="Osaka－等幅" panose="020B0609000000000000" pitchFamily="49" charset="-128"/>
                 <a:cs typeface="メイリオ" pitchFamily="50" charset="-128"/>
               </a:rPr>
-              <a:t>eAPI_end</a:t>
+              <a:t>eAPI_sendData</a:t>
             </a:r>
             <a:r>
               <a:rPr lang="en-US" altLang="ja-JP" sz="2000" dirty="0" smtClean="0">
@@ -3727,7 +3727,18 @@
                 <a:ea typeface="Osaka－等幅" panose="020B0609000000000000" pitchFamily="49" charset="-128"/>
                 <a:cs typeface="メイリオ" pitchFamily="50" charset="-128"/>
               </a:rPr>
-              <a:t>(…, …) {</a:t>
+              <a:t>(…, </a:t>
+            </a:r>
+            <a:r>
+              <a:rPr lang="en-US" altLang="ja-JP" sz="2000" dirty="0" smtClean="0">
+                <a:solidFill>
+                  <a:schemeClr val="tx1"/>
+                </a:solidFill>
+                <a:latin typeface="Osaka－等幅" panose="020B0609000000000000" pitchFamily="49" charset="-128"/>
+                <a:ea typeface="Osaka－等幅" panose="020B0609000000000000" pitchFamily="49" charset="-128"/>
+                <a:cs typeface="メイリオ" pitchFamily="50" charset="-128"/>
+              </a:rPr>
+              <a:t>…) {</a:t>
             </a:r>
           </a:p>
           <a:p>
@@ -3856,7 +3867,7 @@
         <p:spPr bwMode="auto">
           <a:xfrm>
             <a:off x="4430474" y="4814824"/>
-            <a:ext cx="3461638" cy="1819260"/>
+            <a:ext cx="3634968" cy="1819260"/>
           </a:xfrm>
           <a:prstGeom prst="snip1Rect">
             <a:avLst/>
@@ -3921,7 +3932,7 @@
                 <a:ea typeface="Osaka－等幅" panose="020B0609000000000000" pitchFamily="49" charset="-128"/>
                 <a:cs typeface="メイリオ" pitchFamily="50" charset="-128"/>
               </a:rPr>
-              <a:t>tcp_snd_buf</a:t>
+              <a:t>tcp_snd_dat</a:t>
             </a:r>
             <a:r>
               <a:rPr lang="en-US" altLang="ja-JP" sz="2000" dirty="0" smtClean="0">
@@ -3932,7 +3943,18 @@
                 <a:ea typeface="Osaka－等幅" panose="020B0609000000000000" pitchFamily="49" charset="-128"/>
                 <a:cs typeface="メイリオ" pitchFamily="50" charset="-128"/>
               </a:rPr>
-              <a:t>(…, …) {</a:t>
+              <a:t>(…, </a:t>
+            </a:r>
+            <a:r>
+              <a:rPr lang="en-US" altLang="ja-JP" sz="2000" dirty="0" smtClean="0">
+                <a:solidFill>
+                  <a:schemeClr val="tx1"/>
+                </a:solidFill>
+                <a:latin typeface="Osaka－等幅" panose="020B0609000000000000" pitchFamily="49" charset="-128"/>
+                <a:ea typeface="Osaka－等幅" panose="020B0609000000000000" pitchFamily="49" charset="-128"/>
+                <a:cs typeface="メイリオ" pitchFamily="50" charset="-128"/>
+              </a:rPr>
+              <a:t>…) {</a:t>
             </a:r>
           </a:p>
           <a:p>
@@ -4026,10 +4048,10 @@
                 <a:ea typeface="Osaka－等幅" panose="020B0609000000000000" pitchFamily="49" charset="-128"/>
                 <a:cs typeface="メイリオ" pitchFamily="50" charset="-128"/>
               </a:rPr>
-              <a:t>cAPI_send</a:t>
-            </a:r>
-            <a:r>
-              <a:rPr lang="en-US" altLang="ja-JP" sz="2000" dirty="0" smtClean="0">
+              <a:t>cAPI_sendData</a:t>
+            </a:r>
+            <a:r>
+              <a:rPr lang="en-US" altLang="ja-JP" sz="2000" smtClean="0">
                 <a:solidFill>
                   <a:schemeClr val="tx1"/>
                 </a:solidFill>
@@ -4037,8 +4059,16 @@
                 <a:ea typeface="Osaka－等幅" panose="020B0609000000000000" pitchFamily="49" charset="-128"/>
                 <a:cs typeface="メイリオ" pitchFamily="50" charset="-128"/>
               </a:rPr>
-              <a:t>(,);</a:t>
-            </a:r>
+              <a:t>();</a:t>
+            </a:r>
+            <a:endParaRPr lang="en-US" altLang="ja-JP" sz="2000" dirty="0" smtClean="0">
+              <a:solidFill>
+                <a:schemeClr val="tx1"/>
+              </a:solidFill>
+              <a:latin typeface="Osaka－等幅" panose="020B0609000000000000" pitchFamily="49" charset="-128"/>
+              <a:ea typeface="Osaka－等幅" panose="020B0609000000000000" pitchFamily="49" charset="-128"/>
+              <a:cs typeface="メイリオ" pitchFamily="50" charset="-128"/>
+            </a:endParaRPr>
           </a:p>
           <a:p>
             <a:pPr defTabSz="914342" fontAlgn="base">
@@ -4158,7 +4188,7 @@
         </p:nvSpPr>
         <p:spPr bwMode="auto">
           <a:xfrm>
-            <a:off x="8505372" y="3689629"/>
+            <a:off x="8415219" y="3689629"/>
             <a:ext cx="3021708" cy="1120630"/>
           </a:xfrm>
           <a:prstGeom prst="rect">
@@ -4213,18 +4243,7 @@
                 <a:ea typeface="メイリオ" panose="020B0604030504040204" pitchFamily="50" charset="-128"/>
                 <a:cs typeface="メイリオ" pitchFamily="50" charset="-128"/>
               </a:rPr>
-              <a:t>t</a:t>
-            </a:r>
-            <a:r>
-              <a:rPr lang="en-US" altLang="ja-JP" sz="4800" dirty="0" err="1" smtClean="0">
-                <a:solidFill>
-                  <a:schemeClr val="tx1"/>
-                </a:solidFill>
-                <a:latin typeface="メイリオ" panose="020B0604030504040204" pitchFamily="50" charset="-128"/>
-                <a:ea typeface="メイリオ" panose="020B0604030504040204" pitchFamily="50" charset="-128"/>
-                <a:cs typeface="メイリオ" pitchFamily="50" charset="-128"/>
-              </a:rPr>
-              <a:t>TCPCEP</a:t>
+              <a:t>tTCPCEP</a:t>
             </a:r>
             <a:endParaRPr lang="ja-JP" altLang="en-US" sz="4400" dirty="0">
               <a:solidFill>
@@ -4245,7 +4264,7 @@
         </p:nvSpPr>
         <p:spPr bwMode="auto">
           <a:xfrm rot="5400000" flipH="1">
-            <a:off x="8380783" y="4131092"/>
+            <a:off x="8290630" y="4131092"/>
             <a:ext cx="518645" cy="237701"/>
           </a:xfrm>
           <a:prstGeom prst="triangle">
@@ -4306,7 +4325,7 @@
         <p:spPr bwMode="auto">
           <a:xfrm>
             <a:off x="7372417" y="4249944"/>
-            <a:ext cx="1132955" cy="0"/>
+            <a:ext cx="1042802" cy="0"/>
           </a:xfrm>
           <a:prstGeom prst="line">
             <a:avLst/>
@@ -4459,7 +4478,7 @@
                 <a:ea typeface="Osaka－等幅" panose="020B0609000000000000" pitchFamily="49" charset="-128"/>
                 <a:cs typeface="メイリオ" pitchFamily="50" charset="-128"/>
               </a:rPr>
-              <a:t>tcp_snd_buf</a:t>
+              <a:t>tcp_snd_dat</a:t>
             </a:r>
             <a:r>
               <a:rPr lang="en-US" altLang="ja-JP" sz="2000" dirty="0" smtClean="0">
@@ -4470,7 +4489,18 @@
                 <a:ea typeface="Osaka－等幅" panose="020B0609000000000000" pitchFamily="49" charset="-128"/>
                 <a:cs typeface="メイリオ" pitchFamily="50" charset="-128"/>
               </a:rPr>
-              <a:t>(…, …);</a:t>
+              <a:t>(…, </a:t>
+            </a:r>
+            <a:r>
+              <a:rPr lang="en-US" altLang="ja-JP" sz="2000" dirty="0" smtClean="0">
+                <a:solidFill>
+                  <a:schemeClr val="tx1"/>
+                </a:solidFill>
+                <a:latin typeface="Osaka－等幅" panose="020B0609000000000000" pitchFamily="49" charset="-128"/>
+                <a:ea typeface="Osaka－等幅" panose="020B0609000000000000" pitchFamily="49" charset="-128"/>
+                <a:cs typeface="メイリオ" pitchFamily="50" charset="-128"/>
+              </a:rPr>
+              <a:t>…);</a:t>
             </a:r>
           </a:p>
           <a:p>
@@ -4550,8 +4580,8 @@
         </p:nvSpPr>
         <p:spPr bwMode="auto">
           <a:xfrm>
-            <a:off x="8505372" y="803364"/>
-            <a:ext cx="3461638" cy="2466150"/>
+            <a:off x="8415219" y="803364"/>
+            <a:ext cx="3686628" cy="2466150"/>
           </a:xfrm>
           <a:prstGeom prst="snip1Rect">
             <a:avLst/>
@@ -4616,7 +4646,7 @@
                 <a:ea typeface="Osaka－等幅" panose="020B0609000000000000" pitchFamily="49" charset="-128"/>
                 <a:cs typeface="メイリオ" pitchFamily="50" charset="-128"/>
               </a:rPr>
-              <a:t>tcp_snd_buf</a:t>
+              <a:t>tcp_snd_dat</a:t>
             </a:r>
             <a:r>
               <a:rPr lang="en-US" altLang="ja-JP" sz="2000" dirty="0" smtClean="0">
@@ -4627,7 +4657,18 @@
                 <a:ea typeface="Osaka－等幅" panose="020B0609000000000000" pitchFamily="49" charset="-128"/>
                 <a:cs typeface="メイリオ" pitchFamily="50" charset="-128"/>
               </a:rPr>
-              <a:t>(…, …) {</a:t>
+              <a:t>(…, </a:t>
+            </a:r>
+            <a:r>
+              <a:rPr lang="en-US" altLang="ja-JP" sz="2000" dirty="0" smtClean="0">
+                <a:solidFill>
+                  <a:schemeClr val="tx1"/>
+                </a:solidFill>
+                <a:latin typeface="Osaka－等幅" panose="020B0609000000000000" pitchFamily="49" charset="-128"/>
+                <a:ea typeface="Osaka－等幅" panose="020B0609000000000000" pitchFamily="49" charset="-128"/>
+                <a:cs typeface="メイリオ" pitchFamily="50" charset="-128"/>
+              </a:rPr>
+              <a:t>…) {</a:t>
             </a:r>
           </a:p>
           <a:p>
@@ -5025,7 +5066,7 @@
         </p:nvSpPr>
         <p:spPr bwMode="auto">
           <a:xfrm>
-            <a:off x="8623481" y="870594"/>
+            <a:off x="8533328" y="870594"/>
             <a:ext cx="2617580" cy="493085"/>
           </a:xfrm>
           <a:prstGeom prst="rect">
@@ -5217,7 +5258,7 @@
                 <a:ea typeface="Osaka－等幅" panose="020B0609000000000000" pitchFamily="49" charset="-128"/>
                 <a:cs typeface="メイリオ" pitchFamily="50" charset="-128"/>
               </a:rPr>
-              <a:t>tcp_snd_buf</a:t>
+              <a:t>tcp_snd_dat</a:t>
             </a:r>
             <a:r>
               <a:rPr lang="en-US" altLang="ja-JP" sz="2000" dirty="0" smtClean="0">
@@ -5228,7 +5269,18 @@
                 <a:ea typeface="Osaka－等幅" panose="020B0609000000000000" pitchFamily="49" charset="-128"/>
                 <a:cs typeface="メイリオ" pitchFamily="50" charset="-128"/>
               </a:rPr>
-              <a:t>(…, …);</a:t>
+              <a:t>(…, </a:t>
+            </a:r>
+            <a:r>
+              <a:rPr lang="en-US" altLang="ja-JP" sz="2000" dirty="0" smtClean="0">
+                <a:solidFill>
+                  <a:schemeClr val="tx1"/>
+                </a:solidFill>
+                <a:latin typeface="Osaka－等幅" panose="020B0609000000000000" pitchFamily="49" charset="-128"/>
+                <a:ea typeface="Osaka－等幅" panose="020B0609000000000000" pitchFamily="49" charset="-128"/>
+                <a:cs typeface="メイリオ" pitchFamily="50" charset="-128"/>
+              </a:rPr>
+              <a:t>…);</a:t>
             </a:r>
           </a:p>
           <a:p>

--- a/ISORC2017/figure/TECS_Adapter.pptx
+++ b/ISORC2017/figure/TECS_Adapter.pptx
@@ -3650,8 +3650,8 @@
         </p:nvSpPr>
         <p:spPr bwMode="auto">
           <a:xfrm>
-            <a:off x="8415219" y="4814820"/>
-            <a:ext cx="3686628" cy="1819263"/>
+            <a:off x="8110191" y="4814820"/>
+            <a:ext cx="3991656" cy="1819263"/>
           </a:xfrm>
           <a:prstGeom prst="snip1Rect">
             <a:avLst/>
@@ -3708,9 +3708,9 @@
               <a:t>ER </a:t>
             </a:r>
             <a:r>
-              <a:rPr lang="en-US" altLang="ja-JP" sz="2000" dirty="0" err="1" smtClean="0">
-                <a:solidFill>
-                  <a:schemeClr val="tx1"/>
+              <a:rPr lang="en-US" altLang="ja-JP" sz="2400" dirty="0" err="1" smtClean="0">
+                <a:solidFill>
+                  <a:schemeClr val="accent5"/>
                 </a:solidFill>
                 <a:latin typeface="Osaka－等幅" panose="020B0609000000000000" pitchFamily="49" charset="-128"/>
                 <a:ea typeface="Osaka－等幅" panose="020B0609000000000000" pitchFamily="49" charset="-128"/>
@@ -3727,18 +3727,7 @@
                 <a:ea typeface="Osaka－等幅" panose="020B0609000000000000" pitchFamily="49" charset="-128"/>
                 <a:cs typeface="メイリオ" pitchFamily="50" charset="-128"/>
               </a:rPr>
-              <a:t>(…, </a:t>
-            </a:r>
-            <a:r>
-              <a:rPr lang="en-US" altLang="ja-JP" sz="2000" dirty="0" smtClean="0">
-                <a:solidFill>
-                  <a:schemeClr val="tx1"/>
-                </a:solidFill>
-                <a:latin typeface="Osaka－等幅" panose="020B0609000000000000" pitchFamily="49" charset="-128"/>
-                <a:ea typeface="Osaka－等幅" panose="020B0609000000000000" pitchFamily="49" charset="-128"/>
-                <a:cs typeface="メイリオ" pitchFamily="50" charset="-128"/>
-              </a:rPr>
-              <a:t>…) {</a:t>
+              <a:t>(…, …) {</a:t>
             </a:r>
           </a:p>
           <a:p>
@@ -3866,8 +3855,8 @@
         </p:nvSpPr>
         <p:spPr bwMode="auto">
           <a:xfrm>
-            <a:off x="4430474" y="4814824"/>
-            <a:ext cx="3634968" cy="1819260"/>
+            <a:off x="4002210" y="4814824"/>
+            <a:ext cx="3905417" cy="1819260"/>
           </a:xfrm>
           <a:prstGeom prst="snip1Rect">
             <a:avLst/>
@@ -3924,9 +3913,9 @@
               <a:t>ER </a:t>
             </a:r>
             <a:r>
-              <a:rPr lang="en-US" altLang="ja-JP" sz="2000" dirty="0" err="1" smtClean="0">
-                <a:solidFill>
-                  <a:schemeClr val="tx1"/>
+              <a:rPr lang="en-US" altLang="ja-JP" sz="2400" dirty="0" err="1" smtClean="0">
+                <a:solidFill>
+                  <a:srgbClr val="FF0000"/>
                 </a:solidFill>
                 <a:latin typeface="Osaka－等幅" panose="020B0609000000000000" pitchFamily="49" charset="-128"/>
                 <a:ea typeface="Osaka－等幅" panose="020B0609000000000000" pitchFamily="49" charset="-128"/>
@@ -3943,18 +3932,7 @@
                 <a:ea typeface="Osaka－等幅" panose="020B0609000000000000" pitchFamily="49" charset="-128"/>
                 <a:cs typeface="メイリオ" pitchFamily="50" charset="-128"/>
               </a:rPr>
-              <a:t>(…, </a:t>
-            </a:r>
-            <a:r>
-              <a:rPr lang="en-US" altLang="ja-JP" sz="2000" dirty="0" smtClean="0">
-                <a:solidFill>
-                  <a:schemeClr val="tx1"/>
-                </a:solidFill>
-                <a:latin typeface="Osaka－等幅" panose="020B0609000000000000" pitchFamily="49" charset="-128"/>
-                <a:ea typeface="Osaka－等幅" panose="020B0609000000000000" pitchFamily="49" charset="-128"/>
-                <a:cs typeface="メイリオ" pitchFamily="50" charset="-128"/>
-              </a:rPr>
-              <a:t>…) {</a:t>
+              <a:t>(…, …) {</a:t>
             </a:r>
           </a:p>
           <a:p>
@@ -4040,9 +4018,9 @@
               <a:t>return </a:t>
             </a:r>
             <a:r>
-              <a:rPr lang="en-US" altLang="ja-JP" sz="2000" dirty="0" err="1" smtClean="0">
-                <a:solidFill>
-                  <a:schemeClr val="tx1"/>
+              <a:rPr lang="en-US" altLang="ja-JP" sz="2400" dirty="0" err="1" smtClean="0">
+                <a:solidFill>
+                  <a:schemeClr val="accent5"/>
                 </a:solidFill>
                 <a:latin typeface="Osaka－等幅" panose="020B0609000000000000" pitchFamily="49" charset="-128"/>
                 <a:ea typeface="Osaka－等幅" panose="020B0609000000000000" pitchFamily="49" charset="-128"/>
@@ -4051,7 +4029,7 @@
               <a:t>cAPI_sendData</a:t>
             </a:r>
             <a:r>
-              <a:rPr lang="en-US" altLang="ja-JP" sz="2000" smtClean="0">
+              <a:rPr lang="en-US" altLang="ja-JP" sz="2000" dirty="0" smtClean="0">
                 <a:solidFill>
                   <a:schemeClr val="tx1"/>
                 </a:solidFill>
@@ -4061,14 +4039,6 @@
               </a:rPr>
               <a:t>();</a:t>
             </a:r>
-            <a:endParaRPr lang="en-US" altLang="ja-JP" sz="2000" dirty="0" smtClean="0">
-              <a:solidFill>
-                <a:schemeClr val="tx1"/>
-              </a:solidFill>
-              <a:latin typeface="Osaka－等幅" panose="020B0609000000000000" pitchFamily="49" charset="-128"/>
-              <a:ea typeface="Osaka－等幅" panose="020B0609000000000000" pitchFamily="49" charset="-128"/>
-              <a:cs typeface="メイリオ" pitchFamily="50" charset="-128"/>
-            </a:endParaRPr>
           </a:p>
           <a:p>
             <a:pPr defTabSz="914342" fontAlgn="base">
@@ -4112,7 +4082,7 @@
         </p:nvSpPr>
         <p:spPr bwMode="auto">
           <a:xfrm>
-            <a:off x="4408746" y="3689629"/>
+            <a:off x="4215561" y="3689629"/>
             <a:ext cx="2963671" cy="1120629"/>
           </a:xfrm>
           <a:prstGeom prst="rect">
@@ -4188,8 +4158,8 @@
         </p:nvSpPr>
         <p:spPr bwMode="auto">
           <a:xfrm>
-            <a:off x="8415219" y="3689629"/>
-            <a:ext cx="3021708" cy="1120630"/>
+            <a:off x="8165206" y="3689629"/>
+            <a:ext cx="3271721" cy="1120630"/>
           </a:xfrm>
           <a:prstGeom prst="rect">
             <a:avLst/>
@@ -4264,8 +4234,8 @@
         </p:nvSpPr>
         <p:spPr bwMode="auto">
           <a:xfrm rot="5400000" flipH="1">
-            <a:off x="8290630" y="4131092"/>
-            <a:ext cx="518645" cy="237701"/>
+            <a:off x="8089943" y="4065881"/>
+            <a:ext cx="518645" cy="368122"/>
           </a:xfrm>
           <a:prstGeom prst="triangle">
             <a:avLst/>
@@ -4324,8 +4294,8 @@
         </p:nvCxnSpPr>
         <p:spPr bwMode="auto">
           <a:xfrm>
-            <a:off x="7372417" y="4249944"/>
-            <a:ext cx="1042802" cy="0"/>
+            <a:off x="7179232" y="4249944"/>
+            <a:ext cx="985974" cy="0"/>
           </a:xfrm>
           <a:prstGeom prst="line">
             <a:avLst/>
@@ -4364,8 +4334,8 @@
         </p:nvSpPr>
         <p:spPr bwMode="auto">
           <a:xfrm>
-            <a:off x="605866" y="885374"/>
-            <a:ext cx="3189620" cy="2384140"/>
+            <a:off x="231820" y="885374"/>
+            <a:ext cx="3563666" cy="2384140"/>
           </a:xfrm>
           <a:prstGeom prst="snip1Rect">
             <a:avLst/>
@@ -4470,9 +4440,9 @@
               <a:t>  </a:t>
             </a:r>
             <a:r>
-              <a:rPr lang="en-US" altLang="ja-JP" sz="2000" dirty="0" err="1" smtClean="0">
-                <a:solidFill>
-                  <a:schemeClr val="tx1"/>
+              <a:rPr lang="en-US" altLang="ja-JP" sz="2400" dirty="0" err="1" smtClean="0">
+                <a:solidFill>
+                  <a:srgbClr val="FF0000"/>
                 </a:solidFill>
                 <a:latin typeface="Osaka－等幅" panose="020B0609000000000000" pitchFamily="49" charset="-128"/>
                 <a:ea typeface="Osaka－等幅" panose="020B0609000000000000" pitchFamily="49" charset="-128"/>
@@ -4489,18 +4459,7 @@
                 <a:ea typeface="Osaka－等幅" panose="020B0609000000000000" pitchFamily="49" charset="-128"/>
                 <a:cs typeface="メイリオ" pitchFamily="50" charset="-128"/>
               </a:rPr>
-              <a:t>(…, </a:t>
-            </a:r>
-            <a:r>
-              <a:rPr lang="en-US" altLang="ja-JP" sz="2000" dirty="0" smtClean="0">
-                <a:solidFill>
-                  <a:schemeClr val="tx1"/>
-                </a:solidFill>
-                <a:latin typeface="Osaka－等幅" panose="020B0609000000000000" pitchFamily="49" charset="-128"/>
-                <a:ea typeface="Osaka－等幅" panose="020B0609000000000000" pitchFamily="49" charset="-128"/>
-                <a:cs typeface="メイリオ" pitchFamily="50" charset="-128"/>
-              </a:rPr>
-              <a:t>…);</a:t>
+              <a:t>(…, …);</a:t>
             </a:r>
           </a:p>
           <a:p>
@@ -4580,8 +4539,8 @@
         </p:nvSpPr>
         <p:spPr bwMode="auto">
           <a:xfrm>
-            <a:off x="8415219" y="803364"/>
-            <a:ext cx="3686628" cy="2466150"/>
+            <a:off x="8110191" y="803364"/>
+            <a:ext cx="3991656" cy="2466150"/>
           </a:xfrm>
           <a:prstGeom prst="snip1Rect">
             <a:avLst/>
@@ -4638,9 +4597,9 @@
               <a:t>ER </a:t>
             </a:r>
             <a:r>
-              <a:rPr lang="en-US" altLang="ja-JP" sz="2000" dirty="0" err="1" smtClean="0">
-                <a:solidFill>
-                  <a:schemeClr val="tx1"/>
+              <a:rPr lang="en-US" altLang="ja-JP" sz="2400" dirty="0" err="1" smtClean="0">
+                <a:solidFill>
+                  <a:srgbClr val="FF0000"/>
                 </a:solidFill>
                 <a:latin typeface="Osaka－等幅" panose="020B0609000000000000" pitchFamily="49" charset="-128"/>
                 <a:ea typeface="Osaka－等幅" panose="020B0609000000000000" pitchFamily="49" charset="-128"/>
@@ -4657,18 +4616,7 @@
                 <a:ea typeface="Osaka－等幅" panose="020B0609000000000000" pitchFamily="49" charset="-128"/>
                 <a:cs typeface="メイリオ" pitchFamily="50" charset="-128"/>
               </a:rPr>
-              <a:t>(…, </a:t>
-            </a:r>
-            <a:r>
-              <a:rPr lang="en-US" altLang="ja-JP" sz="2000" dirty="0" smtClean="0">
-                <a:solidFill>
-                  <a:schemeClr val="tx1"/>
-                </a:solidFill>
-                <a:latin typeface="Osaka－等幅" panose="020B0609000000000000" pitchFamily="49" charset="-128"/>
-                <a:ea typeface="Osaka－等幅" panose="020B0609000000000000" pitchFamily="49" charset="-128"/>
-                <a:cs typeface="メイリオ" pitchFamily="50" charset="-128"/>
-              </a:rPr>
-              <a:t>…) {</a:t>
+              <a:t>(…, …) {</a:t>
             </a:r>
           </a:p>
           <a:p>
@@ -4917,6 +4865,7 @@
           <a:prstGeom prst="rect">
             <a:avLst/>
           </a:prstGeom>
+          <a:noFill/>
           <a:ln>
             <a:noFill/>
             <a:headEnd type="none" w="med" len="med"/>
@@ -5144,8 +5093,8 @@
         </p:nvSpPr>
         <p:spPr bwMode="auto">
           <a:xfrm>
-            <a:off x="605866" y="4249944"/>
-            <a:ext cx="3189620" cy="2384140"/>
+            <a:off x="231820" y="4249944"/>
+            <a:ext cx="3563666" cy="2384140"/>
           </a:xfrm>
           <a:prstGeom prst="snip1Rect">
             <a:avLst/>
@@ -5250,9 +5199,9 @@
               <a:t>  </a:t>
             </a:r>
             <a:r>
-              <a:rPr lang="en-US" altLang="ja-JP" sz="2000" dirty="0" err="1" smtClean="0">
-                <a:solidFill>
-                  <a:schemeClr val="tx1"/>
+              <a:rPr lang="en-US" altLang="ja-JP" sz="2400" dirty="0" err="1" smtClean="0">
+                <a:solidFill>
+                  <a:srgbClr val="FF0000"/>
                 </a:solidFill>
                 <a:latin typeface="Osaka－等幅" panose="020B0609000000000000" pitchFamily="49" charset="-128"/>
                 <a:ea typeface="Osaka－等幅" panose="020B0609000000000000" pitchFamily="49" charset="-128"/>
@@ -5269,18 +5218,7 @@
                 <a:ea typeface="Osaka－等幅" panose="020B0609000000000000" pitchFamily="49" charset="-128"/>
                 <a:cs typeface="メイリオ" pitchFamily="50" charset="-128"/>
               </a:rPr>
-              <a:t>(…, </a:t>
-            </a:r>
-            <a:r>
-              <a:rPr lang="en-US" altLang="ja-JP" sz="2000" dirty="0" smtClean="0">
-                <a:solidFill>
-                  <a:schemeClr val="tx1"/>
-                </a:solidFill>
-                <a:latin typeface="Osaka－等幅" panose="020B0609000000000000" pitchFamily="49" charset="-128"/>
-                <a:ea typeface="Osaka－等幅" panose="020B0609000000000000" pitchFamily="49" charset="-128"/>
-                <a:cs typeface="メイリオ" pitchFamily="50" charset="-128"/>
-              </a:rPr>
-              <a:t>…);</a:t>
+              <a:t>(…, …);</a:t>
             </a:r>
           </a:p>
           <a:p>

--- a/ISORC2017/figure/TECS_Adapter.pptx
+++ b/ISORC2017/figure/TECS_Adapter.pptx
@@ -197,7 +197,7 @@
           <a:p>
             <a:fld id="{00D06802-B8EF-4FD8-9511-F1F928CF3A55}" type="datetimeFigureOut">
               <a:rPr kumimoji="1" lang="ja-JP" altLang="en-US" smtClean="0"/>
-              <a:t>2017/2/7</a:t>
+              <a:t>2017/2/12</a:t>
             </a:fld>
             <a:endParaRPr kumimoji="1" lang="ja-JP" altLang="en-US"/>
           </a:p>
@@ -628,7 +628,7 @@
           <a:p>
             <a:fld id="{AA641DB4-C951-4763-94FC-F650C3AA7E65}" type="datetimeFigureOut">
               <a:rPr kumimoji="1" lang="ja-JP" altLang="en-US" smtClean="0"/>
-              <a:t>2017/2/7</a:t>
+              <a:t>2017/2/12</a:t>
             </a:fld>
             <a:endParaRPr kumimoji="1" lang="ja-JP" altLang="en-US"/>
           </a:p>
@@ -830,7 +830,7 @@
           <a:p>
             <a:fld id="{AA641DB4-C951-4763-94FC-F650C3AA7E65}" type="datetimeFigureOut">
               <a:rPr kumimoji="1" lang="ja-JP" altLang="en-US" smtClean="0"/>
-              <a:t>2017/2/7</a:t>
+              <a:t>2017/2/12</a:t>
             </a:fld>
             <a:endParaRPr kumimoji="1" lang="ja-JP" altLang="en-US"/>
           </a:p>
@@ -1042,7 +1042,7 @@
           <a:p>
             <a:fld id="{AA641DB4-C951-4763-94FC-F650C3AA7E65}" type="datetimeFigureOut">
               <a:rPr kumimoji="1" lang="ja-JP" altLang="en-US" smtClean="0"/>
-              <a:t>2017/2/7</a:t>
+              <a:t>2017/2/12</a:t>
             </a:fld>
             <a:endParaRPr kumimoji="1" lang="ja-JP" altLang="en-US"/>
           </a:p>
@@ -1244,7 +1244,7 @@
           <a:p>
             <a:fld id="{AA641DB4-C951-4763-94FC-F650C3AA7E65}" type="datetimeFigureOut">
               <a:rPr kumimoji="1" lang="ja-JP" altLang="en-US" smtClean="0"/>
-              <a:t>2017/2/7</a:t>
+              <a:t>2017/2/12</a:t>
             </a:fld>
             <a:endParaRPr kumimoji="1" lang="ja-JP" altLang="en-US"/>
           </a:p>
@@ -1490,7 +1490,7 @@
           <a:p>
             <a:fld id="{AA641DB4-C951-4763-94FC-F650C3AA7E65}" type="datetimeFigureOut">
               <a:rPr kumimoji="1" lang="ja-JP" altLang="en-US" smtClean="0"/>
-              <a:t>2017/2/7</a:t>
+              <a:t>2017/2/12</a:t>
             </a:fld>
             <a:endParaRPr kumimoji="1" lang="ja-JP" altLang="en-US"/>
           </a:p>
@@ -1786,7 +1786,7 @@
           <a:p>
             <a:fld id="{AA641DB4-C951-4763-94FC-F650C3AA7E65}" type="datetimeFigureOut">
               <a:rPr kumimoji="1" lang="ja-JP" altLang="en-US" smtClean="0"/>
-              <a:t>2017/2/7</a:t>
+              <a:t>2017/2/12</a:t>
             </a:fld>
             <a:endParaRPr kumimoji="1" lang="ja-JP" altLang="en-US"/>
           </a:p>
@@ -2217,7 +2217,7 @@
           <a:p>
             <a:fld id="{AA641DB4-C951-4763-94FC-F650C3AA7E65}" type="datetimeFigureOut">
               <a:rPr kumimoji="1" lang="ja-JP" altLang="en-US" smtClean="0"/>
-              <a:t>2017/2/7</a:t>
+              <a:t>2017/2/12</a:t>
             </a:fld>
             <a:endParaRPr kumimoji="1" lang="ja-JP" altLang="en-US"/>
           </a:p>
@@ -2335,7 +2335,7 @@
           <a:p>
             <a:fld id="{AA641DB4-C951-4763-94FC-F650C3AA7E65}" type="datetimeFigureOut">
               <a:rPr kumimoji="1" lang="ja-JP" altLang="en-US" smtClean="0"/>
-              <a:t>2017/2/7</a:t>
+              <a:t>2017/2/12</a:t>
             </a:fld>
             <a:endParaRPr kumimoji="1" lang="ja-JP" altLang="en-US"/>
           </a:p>
@@ -2430,7 +2430,7 @@
           <a:p>
             <a:fld id="{AA641DB4-C951-4763-94FC-F650C3AA7E65}" type="datetimeFigureOut">
               <a:rPr kumimoji="1" lang="ja-JP" altLang="en-US" smtClean="0"/>
-              <a:t>2017/2/7</a:t>
+              <a:t>2017/2/12</a:t>
             </a:fld>
             <a:endParaRPr kumimoji="1" lang="ja-JP" altLang="en-US"/>
           </a:p>
@@ -2739,7 +2739,7 @@
           <a:p>
             <a:fld id="{AA641DB4-C951-4763-94FC-F650C3AA7E65}" type="datetimeFigureOut">
               <a:rPr kumimoji="1" lang="ja-JP" altLang="en-US" smtClean="0"/>
-              <a:t>2017/2/7</a:t>
+              <a:t>2017/2/12</a:t>
             </a:fld>
             <a:endParaRPr kumimoji="1" lang="ja-JP" altLang="en-US"/>
           </a:p>
@@ -2992,7 +2992,7 @@
           <a:p>
             <a:fld id="{AA641DB4-C951-4763-94FC-F650C3AA7E65}" type="datetimeFigureOut">
               <a:rPr kumimoji="1" lang="ja-JP" altLang="en-US" smtClean="0"/>
-              <a:t>2017/2/7</a:t>
+              <a:t>2017/2/12</a:t>
             </a:fld>
             <a:endParaRPr kumimoji="1" lang="ja-JP" altLang="en-US"/>
           </a:p>
@@ -3237,7 +3237,7 @@
           <a:p>
             <a:fld id="{AA641DB4-C951-4763-94FC-F650C3AA7E65}" type="datetimeFigureOut">
               <a:rPr kumimoji="1" lang="ja-JP" altLang="en-US" smtClean="0"/>
-              <a:t>2017/2/7</a:t>
+              <a:t>2017/2/12</a:t>
             </a:fld>
             <a:endParaRPr kumimoji="1" lang="ja-JP" altLang="en-US"/>
           </a:p>
@@ -3727,7 +3727,18 @@
                 <a:ea typeface="Osaka－等幅" panose="020B0609000000000000" pitchFamily="49" charset="-128"/>
                 <a:cs typeface="メイリオ" pitchFamily="50" charset="-128"/>
               </a:rPr>
-              <a:t>(…, …) {</a:t>
+              <a:t>() </a:t>
+            </a:r>
+            <a:r>
+              <a:rPr lang="en-US" altLang="ja-JP" sz="2000" dirty="0" smtClean="0">
+                <a:solidFill>
+                  <a:schemeClr val="tx1"/>
+                </a:solidFill>
+                <a:latin typeface="Osaka－等幅" panose="020B0609000000000000" pitchFamily="49" charset="-128"/>
+                <a:ea typeface="Osaka－等幅" panose="020B0609000000000000" pitchFamily="49" charset="-128"/>
+                <a:cs typeface="メイリオ" pitchFamily="50" charset="-128"/>
+              </a:rPr>
+              <a:t>{</a:t>
             </a:r>
           </a:p>
           <a:p>
@@ -4039,6 +4050,14 @@
               </a:rPr>
               <a:t>();</a:t>
             </a:r>
+            <a:endParaRPr lang="en-US" altLang="ja-JP" sz="2000" dirty="0" smtClean="0">
+              <a:solidFill>
+                <a:schemeClr val="tx1"/>
+              </a:solidFill>
+              <a:latin typeface="Osaka－等幅" panose="020B0609000000000000" pitchFamily="49" charset="-128"/>
+              <a:ea typeface="Osaka－等幅" panose="020B0609000000000000" pitchFamily="49" charset="-128"/>
+              <a:cs typeface="メイリオ" pitchFamily="50" charset="-128"/>
+            </a:endParaRPr>
           </a:p>
           <a:p>
             <a:pPr defTabSz="914342" fontAlgn="base">
